--- a/DOC-Agricultrual_Raw_Material_Analysis-ppt_810021114005[1].pptx
+++ b/DOC-Agricultrual_Raw_Material_Analysis-ppt_810021114005[1].pptx
@@ -134,6 +134,43 @@
     </p:ext>
   </p:extLst>
 </p:presentation>
+</file>
+
+<file path=ppt/revisionInfo.xml><?xml version="1.0" encoding="utf-8"?>
+<p1510:revInfo xmlns:a="http://schemas.openxmlformats.org/drawingml/2006/main" xmlns:r="http://schemas.openxmlformats.org/officeDocument/2006/relationships" xmlns:p1510="http://schemas.microsoft.com/office/powerpoint/2015/10/main">
+  <p1510:revLst>
+    <p1510:client id="{C5EDDEAD-D8F9-4855-BD57-98623A6B65C3}" v="1" dt="2024-11-10T16:07:27.917"/>
+  </p1510:revLst>
+</p1510:revInfo>
+</file>
+
+<file path=ppt/changesInfos/changesInfo1.xml><?xml version="1.0" encoding="utf-8"?>
+<pc:chgInfo xmlns:a="http://schemas.openxmlformats.org/drawingml/2006/main" xmlns:r="http://schemas.openxmlformats.org/officeDocument/2006/relationships" xmlns:ac="http://schemas.microsoft.com/office/drawing/2013/main/command" xmlns:pc="http://schemas.microsoft.com/office/powerpoint/2013/main/command">
+  <pc:docChgLst>
+    <pc:chgData name="arini a" userId="9fd56672d4464039" providerId="LiveId" clId="{C5EDDEAD-D8F9-4855-BD57-98623A6B65C3}"/>
+    <pc:docChg chg="modSld">
+      <pc:chgData name="arini a" userId="9fd56672d4464039" providerId="LiveId" clId="{C5EDDEAD-D8F9-4855-BD57-98623A6B65C3}" dt="2024-11-10T16:07:27.908" v="1" actId="20577"/>
+      <pc:docMkLst>
+        <pc:docMk/>
+      </pc:docMkLst>
+      <pc:sldChg chg="modSp mod">
+        <pc:chgData name="arini a" userId="9fd56672d4464039" providerId="LiveId" clId="{C5EDDEAD-D8F9-4855-BD57-98623A6B65C3}" dt="2024-11-10T16:07:27.908" v="1" actId="20577"/>
+        <pc:sldMkLst>
+          <pc:docMk/>
+          <pc:sldMk cId="0" sldId="274"/>
+        </pc:sldMkLst>
+        <pc:spChg chg="mod">
+          <ac:chgData name="arini a" userId="9fd56672d4464039" providerId="LiveId" clId="{C5EDDEAD-D8F9-4855-BD57-98623A6B65C3}" dt="2024-11-10T16:07:27.908" v="1" actId="20577"/>
+          <ac:spMkLst>
+            <pc:docMk/>
+            <pc:sldMk cId="0" sldId="274"/>
+            <ac:spMk id="1048608" creationId="{00000000-0000-0000-0000-000000000000}"/>
+          </ac:spMkLst>
+        </pc:spChg>
+      </pc:sldChg>
+    </pc:docChg>
+  </pc:docChgLst>
+</pc:chgInfo>
 </file>
 
 <file path=ppt/notesMasters/notesMaster1.xml><?xml version="1.0" encoding="utf-8"?>
@@ -5155,7 +5192,7 @@
           </a:p>
           <a:p>
             <a:r>
-              <a:rPr lang="en-US" sz="3200" b="1" dirty="0">
+              <a:rPr lang="en-US" sz="3200" b="1">
                 <a:latin typeface="Arial" panose="020B0604020202020204" pitchFamily="34" charset="0"/>
                 <a:cs typeface="Arial" panose="020B0604020202020204" pitchFamily="34" charset="0"/>
                 <a:hlinkClick r:id="rId2"/>
@@ -5166,16 +5203,8 @@
               <a:rPr lang="en-US" sz="3200" b="1">
                 <a:latin typeface="Arial" panose="020B0604020202020204" pitchFamily="34" charset="0"/>
                 <a:cs typeface="Arial" panose="020B0604020202020204" pitchFamily="34" charset="0"/>
-                <a:hlinkClick r:id="rId2"/>
               </a:rPr>
-              <a:t>/upload</a:t>
-            </a:r>
-            <a:r>
-              <a:rPr lang="en-US" sz="3200" b="1">
-                <a:latin typeface="Arial" panose="020B0604020202020204" pitchFamily="34" charset="0"/>
-                <a:cs typeface="Arial" panose="020B0604020202020204" pitchFamily="34" charset="0"/>
-              </a:rPr>
-              <a:t>  </a:t>
+              <a:t> </a:t>
             </a:r>
             <a:endParaRPr lang="en-US" sz="3200" b="1" dirty="0">
               <a:latin typeface="Arial" panose="020B0604020202020204" pitchFamily="34" charset="0"/>
